--- a/public/WeiHsinYen_Intro.pptx
+++ b/public/WeiHsinYen_Intro.pptx
@@ -246,7 +246,7 @@
           <a:p>
             <a:fld id="{89311DA1-D6C1-48A9-BCD7-C6AFCD0C1F35}" type="datetimeFigureOut">
               <a:rPr lang="zh-TW" altLang="en-US" smtClean="0"/>
-              <a:t>2025/2/16</a:t>
+              <a:t>2025/2/17</a:t>
             </a:fld>
             <a:endParaRPr lang="zh-TW" altLang="en-US"/>
           </a:p>
@@ -423,7 +423,7 @@
           <a:p>
             <a:fld id="{B8D18E9C-8127-4A79-8E81-4AF25CEF4DA6}" type="datetimeFigureOut">
               <a:rPr lang="zh-TW" altLang="en-US" smtClean="0"/>
-              <a:t>2025/2/16</a:t>
+              <a:t>2025/2/17</a:t>
             </a:fld>
             <a:endParaRPr lang="zh-TW" altLang="en-US"/>
           </a:p>
@@ -1510,7 +1510,7 @@
           <a:p>
             <a:fld id="{C43DB02A-3503-4812-91EF-BC114985DF48}" type="datetimeFigureOut">
               <a:rPr lang="zh-TW" altLang="en-US" smtClean="0"/>
-              <a:t>2025/2/16</a:t>
+              <a:t>2025/2/17</a:t>
             </a:fld>
             <a:endParaRPr lang="zh-TW" altLang="en-US"/>
           </a:p>
@@ -1708,7 +1708,7 @@
           <a:p>
             <a:fld id="{C43DB02A-3503-4812-91EF-BC114985DF48}" type="datetimeFigureOut">
               <a:rPr lang="zh-TW" altLang="en-US" smtClean="0"/>
-              <a:t>2025/2/16</a:t>
+              <a:t>2025/2/17</a:t>
             </a:fld>
             <a:endParaRPr lang="zh-TW" altLang="en-US"/>
           </a:p>
@@ -1916,7 +1916,7 @@
           <a:p>
             <a:fld id="{C43DB02A-3503-4812-91EF-BC114985DF48}" type="datetimeFigureOut">
               <a:rPr lang="zh-TW" altLang="en-US" smtClean="0"/>
-              <a:t>2025/2/16</a:t>
+              <a:t>2025/2/17</a:t>
             </a:fld>
             <a:endParaRPr lang="zh-TW" altLang="en-US"/>
           </a:p>
@@ -2114,7 +2114,7 @@
           <a:p>
             <a:fld id="{C43DB02A-3503-4812-91EF-BC114985DF48}" type="datetimeFigureOut">
               <a:rPr lang="zh-TW" altLang="en-US" smtClean="0"/>
-              <a:t>2025/2/16</a:t>
+              <a:t>2025/2/17</a:t>
             </a:fld>
             <a:endParaRPr lang="zh-TW" altLang="en-US"/>
           </a:p>
@@ -2389,7 +2389,7 @@
           <a:p>
             <a:fld id="{C43DB02A-3503-4812-91EF-BC114985DF48}" type="datetimeFigureOut">
               <a:rPr lang="zh-TW" altLang="en-US" smtClean="0"/>
-              <a:t>2025/2/16</a:t>
+              <a:t>2025/2/17</a:t>
             </a:fld>
             <a:endParaRPr lang="zh-TW" altLang="en-US"/>
           </a:p>
@@ -2654,7 +2654,7 @@
           <a:p>
             <a:fld id="{C43DB02A-3503-4812-91EF-BC114985DF48}" type="datetimeFigureOut">
               <a:rPr lang="zh-TW" altLang="en-US" smtClean="0"/>
-              <a:t>2025/2/16</a:t>
+              <a:t>2025/2/17</a:t>
             </a:fld>
             <a:endParaRPr lang="zh-TW" altLang="en-US"/>
           </a:p>
@@ -3066,7 +3066,7 @@
           <a:p>
             <a:fld id="{C43DB02A-3503-4812-91EF-BC114985DF48}" type="datetimeFigureOut">
               <a:rPr lang="zh-TW" altLang="en-US" smtClean="0"/>
-              <a:t>2025/2/16</a:t>
+              <a:t>2025/2/17</a:t>
             </a:fld>
             <a:endParaRPr lang="zh-TW" altLang="en-US"/>
           </a:p>
@@ -3207,7 +3207,7 @@
           <a:p>
             <a:fld id="{C43DB02A-3503-4812-91EF-BC114985DF48}" type="datetimeFigureOut">
               <a:rPr lang="zh-TW" altLang="en-US" smtClean="0"/>
-              <a:t>2025/2/16</a:t>
+              <a:t>2025/2/17</a:t>
             </a:fld>
             <a:endParaRPr lang="zh-TW" altLang="en-US"/>
           </a:p>
@@ -3320,7 +3320,7 @@
           <a:p>
             <a:fld id="{C43DB02A-3503-4812-91EF-BC114985DF48}" type="datetimeFigureOut">
               <a:rPr lang="zh-TW" altLang="en-US" smtClean="0"/>
-              <a:t>2025/2/16</a:t>
+              <a:t>2025/2/17</a:t>
             </a:fld>
             <a:endParaRPr lang="zh-TW" altLang="en-US"/>
           </a:p>
@@ -3631,7 +3631,7 @@
           <a:p>
             <a:fld id="{C43DB02A-3503-4812-91EF-BC114985DF48}" type="datetimeFigureOut">
               <a:rPr lang="zh-TW" altLang="en-US" smtClean="0"/>
-              <a:t>2025/2/16</a:t>
+              <a:t>2025/2/17</a:t>
             </a:fld>
             <a:endParaRPr lang="zh-TW" altLang="en-US"/>
           </a:p>
@@ -3919,7 +3919,7 @@
           <a:p>
             <a:fld id="{C43DB02A-3503-4812-91EF-BC114985DF48}" type="datetimeFigureOut">
               <a:rPr lang="zh-TW" altLang="en-US" smtClean="0"/>
-              <a:t>2025/2/16</a:t>
+              <a:t>2025/2/17</a:t>
             </a:fld>
             <a:endParaRPr lang="zh-TW" altLang="en-US"/>
           </a:p>
@@ -4160,7 +4160,7 @@
           <a:p>
             <a:fld id="{C43DB02A-3503-4812-91EF-BC114985DF48}" type="datetimeFigureOut">
               <a:rPr lang="zh-TW" altLang="en-US" smtClean="0"/>
-              <a:t>2025/2/16</a:t>
+              <a:t>2025/2/17</a:t>
             </a:fld>
             <a:endParaRPr lang="zh-TW" altLang="en-US"/>
           </a:p>
@@ -4758,6 +4758,52 @@
           </a:p>
         </p:txBody>
       </p:sp>
+      <p:pic>
+        <p:nvPicPr>
+          <p:cNvPr id="7" name="圖片 6">
+            <a:extLst>
+              <a:ext uri="{FF2B5EF4-FFF2-40B4-BE49-F238E27FC236}">
+                <a16:creationId xmlns:a16="http://schemas.microsoft.com/office/drawing/2014/main" id="{A14D545F-CE3F-C5AA-F701-F1CBC83EB5BD}"/>
+              </a:ext>
+            </a:extLst>
+          </p:cNvPr>
+          <p:cNvPicPr>
+            <a:picLocks noChangeAspect="1"/>
+          </p:cNvPicPr>
+          <p:nvPr/>
+        </p:nvPicPr>
+        <p:blipFill>
+          <a:blip r:embed="rId3"/>
+          <a:stretch>
+            <a:fillRect/>
+          </a:stretch>
+        </p:blipFill>
+        <p:spPr>
+          <a:xfrm>
+            <a:off x="461063" y="4364244"/>
+            <a:ext cx="2176120" cy="2176120"/>
+          </a:xfrm>
+          <a:prstGeom prst="round2DiagRect">
+            <a:avLst>
+              <a:gd name="adj1" fmla="val 16667"/>
+              <a:gd name="adj2" fmla="val 12986"/>
+            </a:avLst>
+          </a:prstGeom>
+          <a:ln w="88900" cap="sq">
+            <a:solidFill>
+              <a:srgbClr val="FFFFFF"/>
+            </a:solidFill>
+            <a:miter lim="800000"/>
+          </a:ln>
+          <a:effectLst>
+            <a:outerShdw blurRad="254000" algn="tl" rotWithShape="0">
+              <a:srgbClr val="000000">
+                <a:alpha val="43000"/>
+              </a:srgbClr>
+            </a:outerShdw>
+          </a:effectLst>
+        </p:spPr>
+      </p:pic>
     </p:spTree>
     <p:extLst>
       <p:ext uri="{BB962C8B-B14F-4D97-AF65-F5344CB8AC3E}">
@@ -4768,13 +4814,13 @@
   <p:clrMapOvr>
     <a:masterClrMapping/>
   </p:clrMapOvr>
-  <mc:AlternateContent xmlns:mc="http://schemas.openxmlformats.org/markup-compatibility/2006">
-    <mc:Choice xmlns:p159="http://schemas.microsoft.com/office/powerpoint/2015/09/main" Requires="p159">
+  <mc:AlternateContent xmlns:mc="http://schemas.openxmlformats.org/markup-compatibility/2006" xmlns:p159="http://schemas.microsoft.com/office/powerpoint/2015/09/main">
+    <mc:Choice Requires="p159">
       <p:transition>
         <p159:morph option="byObject"/>
       </p:transition>
     </mc:Choice>
-    <mc:Fallback>
+    <mc:Fallback xmlns="">
       <p:transition>
         <p:fade/>
       </p:transition>
@@ -6307,13 +6353,13 @@
   <p:clrMapOvr>
     <a:masterClrMapping/>
   </p:clrMapOvr>
-  <mc:AlternateContent xmlns:mc="http://schemas.openxmlformats.org/markup-compatibility/2006">
-    <mc:Choice xmlns:p14="http://schemas.microsoft.com/office/powerpoint/2010/main" Requires="p14">
+  <mc:AlternateContent xmlns:mc="http://schemas.openxmlformats.org/markup-compatibility/2006" xmlns:p14="http://schemas.microsoft.com/office/powerpoint/2010/main">
+    <mc:Choice Requires="p14">
       <p:transition spd="slow">
         <p14:reveal/>
       </p:transition>
     </mc:Choice>
-    <mc:Fallback>
+    <mc:Fallback xmlns="">
       <p:transition spd="slow">
         <p:fade/>
       </p:transition>
@@ -8593,13 +8639,13 @@
   <p:clrMapOvr>
     <a:masterClrMapping/>
   </p:clrMapOvr>
-  <mc:AlternateContent xmlns:mc="http://schemas.openxmlformats.org/markup-compatibility/2006">
-    <mc:Choice xmlns:p14="http://schemas.microsoft.com/office/powerpoint/2010/main" Requires="p14">
+  <mc:AlternateContent xmlns:mc="http://schemas.openxmlformats.org/markup-compatibility/2006" xmlns:p14="http://schemas.microsoft.com/office/powerpoint/2010/main">
+    <mc:Choice Requires="p14">
       <p:transition spd="med" p14:dur="700">
         <p:fade/>
       </p:transition>
     </mc:Choice>
-    <mc:Fallback>
+    <mc:Fallback xmlns="">
       <p:transition spd="med">
         <p:fade/>
       </p:transition>
@@ -10743,13 +10789,13 @@
   <p:clrMapOvr>
     <a:masterClrMapping/>
   </p:clrMapOvr>
-  <mc:AlternateContent xmlns:mc="http://schemas.openxmlformats.org/markup-compatibility/2006">
-    <mc:Choice xmlns:p159="http://schemas.microsoft.com/office/powerpoint/2015/09/main" Requires="p159">
+  <mc:AlternateContent xmlns:mc="http://schemas.openxmlformats.org/markup-compatibility/2006" xmlns:p159="http://schemas.microsoft.com/office/powerpoint/2015/09/main">
+    <mc:Choice Requires="p159">
       <p:transition spd="med">
         <p159:morph option="byObject"/>
       </p:transition>
     </mc:Choice>
-    <mc:Fallback>
+    <mc:Fallback xmlns="">
       <p:transition spd="med">
         <p:fade/>
       </p:transition>
@@ -13340,13 +13386,13 @@
   <p:clrMapOvr>
     <a:masterClrMapping/>
   </p:clrMapOvr>
-  <mc:AlternateContent xmlns:mc="http://schemas.openxmlformats.org/markup-compatibility/2006">
-    <mc:Choice xmlns:p159="http://schemas.microsoft.com/office/powerpoint/2015/09/main" Requires="p159">
+  <mc:AlternateContent xmlns:mc="http://schemas.openxmlformats.org/markup-compatibility/2006" xmlns:p159="http://schemas.microsoft.com/office/powerpoint/2015/09/main">
+    <mc:Choice Requires="p159">
       <p:transition spd="med">
         <p159:morph option="byObject"/>
       </p:transition>
     </mc:Choice>
-    <mc:Fallback>
+    <mc:Fallback xmlns="">
       <p:transition spd="med">
         <p:fade/>
       </p:transition>
@@ -14255,13 +14301,13 @@
   <p:clrMapOvr>
     <a:masterClrMapping/>
   </p:clrMapOvr>
-  <mc:AlternateContent xmlns:mc="http://schemas.openxmlformats.org/markup-compatibility/2006">
-    <mc:Choice xmlns:p14="http://schemas.microsoft.com/office/powerpoint/2010/main" Requires="p14">
+  <mc:AlternateContent xmlns:mc="http://schemas.openxmlformats.org/markup-compatibility/2006" xmlns:p14="http://schemas.microsoft.com/office/powerpoint/2010/main">
+    <mc:Choice Requires="p14">
       <p:transition spd="slow">
         <p14:reveal/>
       </p:transition>
     </mc:Choice>
-    <mc:Fallback>
+    <mc:Fallback xmlns="">
       <p:transition spd="slow">
         <p:fade/>
       </p:transition>
